--- a/ref/Kayenga_Campos _ KaggleX- Showcase.pptx
+++ b/ref/Kayenga_Campos _ KaggleX- Showcase.pptx
@@ -28,23 +28,23 @@
       <p:boldItalic r:id="rId14"/>
     </p:embeddedFont>
     <p:embeddedFont>
-      <p:font typeface="Inter" panose="020B0604020202020204" charset="0"/>
+      <p:font typeface="Roboto" panose="020B0604020202020204" charset="0"/>
       <p:regular r:id="rId15"/>
       <p:bold r:id="rId16"/>
-    </p:embeddedFont>
-    <p:embeddedFont>
-      <p:font typeface="Roboto" panose="020B0604020202020204" charset="0"/>
-      <p:regular r:id="rId17"/>
-      <p:bold r:id="rId18"/>
-      <p:italic r:id="rId19"/>
-      <p:boldItalic r:id="rId20"/>
+      <p:italic r:id="rId17"/>
+      <p:boldItalic r:id="rId18"/>
     </p:embeddedFont>
     <p:embeddedFont>
       <p:font typeface="Calibri" panose="020F0502020204030204" pitchFamily="34" charset="0"/>
-      <p:regular r:id="rId21"/>
-      <p:bold r:id="rId22"/>
-      <p:italic r:id="rId23"/>
-      <p:boldItalic r:id="rId24"/>
+      <p:regular r:id="rId19"/>
+      <p:bold r:id="rId20"/>
+      <p:italic r:id="rId21"/>
+      <p:boldItalic r:id="rId22"/>
+    </p:embeddedFont>
+    <p:embeddedFont>
+      <p:font typeface="Inter" panose="020B0604020202020204" charset="0"/>
+      <p:regular r:id="rId23"/>
+      <p:bold r:id="rId24"/>
     </p:embeddedFont>
   </p:embeddedFontLst>
   <p:defaultTextStyle>
@@ -352,7 +352,7 @@
       </p15:sldGuideLst>
     </p:ext>
     <p:ext uri="GoogleSlidesCustomDataVersion2">
-      <go:slidesCustomData xmlns="" xmlns:mc="http://schemas.openxmlformats.org/markup-compatibility/2006" xmlns:mv="urn:schemas-microsoft-com:mac:vml" xmlns:c="http://schemas.openxmlformats.org/drawingml/2006/chart" xmlns:dgm="http://schemas.openxmlformats.org/drawingml/2006/diagram" xmlns:o="urn:schemas-microsoft-com:office:office" xmlns:v="urn:schemas-microsoft-com:vml" xmlns:pvml="urn:schemas-microsoft-com:office:powerpoint" xmlns:com="http://schemas.openxmlformats.org/drawingml/2006/compatibility" xmlns:p14="http://schemas.microsoft.com/office/powerpoint/2010/main" xmlns:p15="http://schemas.microsoft.com/office/powerpoint/2012/main" xmlns:ahyp="http://schemas.microsoft.com/office/drawing/2018/hyperlinkcolor" xmlns:go="http://customooxmlschemas.google.com/" r:id="rId30" roundtripDataSignature="AMtx7mgmchEGyftyRg5sPsZHH1uTBbnXHg=="/>
+      <go:slidesCustomData xmlns:go="http://customooxmlschemas.google.com/" xmlns:ahyp="http://schemas.microsoft.com/office/drawing/2018/hyperlinkcolor" xmlns:p15="http://schemas.microsoft.com/office/powerpoint/2012/main" xmlns:p14="http://schemas.microsoft.com/office/powerpoint/2010/main" xmlns:com="http://schemas.openxmlformats.org/drawingml/2006/compatibility" xmlns:pvml="urn:schemas-microsoft-com:office:powerpoint" xmlns:v="urn:schemas-microsoft-com:vml" xmlns:o="urn:schemas-microsoft-com:office:office" xmlns:dgm="http://schemas.openxmlformats.org/drawingml/2006/diagram" xmlns:c="http://schemas.openxmlformats.org/drawingml/2006/chart" xmlns:mv="urn:schemas-microsoft-com:mac:vml" xmlns:mc="http://schemas.openxmlformats.org/markup-compatibility/2006" xmlns="" r:id="rId30" roundtripDataSignature="AMtx7mgmchEGyftyRg5sPsZHH1uTBbnXHg=="/>
     </p:ext>
   </p:extLst>
 </p:presentation>
@@ -9535,8 +9535,13 @@
             </a:r>
             <a:r>
               <a:rPr lang="en-US" dirty="0"/>
-              <a:t>. Through the application of these skills, I am able to develop technical solutions for a wide range of problems."</a:t>
+              <a:t>. Through the application of these skills, I am able to develop technical solutions for a wide range of problems</a:t>
             </a:r>
+            <a:r>
+              <a:rPr lang="en-US" dirty="0" smtClean="0"/>
+              <a:t>.</a:t>
+            </a:r>
+            <a:endParaRPr lang="en-US" dirty="0"/>
           </a:p>
           <a:p>
             <a:pPr marL="101600" lvl="0" indent="0">
@@ -9984,11 +9989,7 @@
             </a:r>
             <a:r>
               <a:rPr lang="en-US" dirty="0" smtClean="0"/>
-              <a:t>Learning, </a:t>
-            </a:r>
-            <a:r>
-              <a:rPr lang="en-US" dirty="0" smtClean="0"/>
-              <a:t>Image Processing, </a:t>
+              <a:t>Learning, Image Processing, </a:t>
             </a:r>
             <a:r>
               <a:rPr lang="en-US" dirty="0" err="1" smtClean="0"/>
@@ -11199,21 +11200,15 @@
               <a:rPr lang="en-US" dirty="0">
                 <a:hlinkClick r:id="rId5"/>
               </a:rPr>
-              <a:t>https://</a:t>
+              <a:t>https://dash.plotly.com</a:t>
             </a:r>
             <a:r>
-              <a:rPr lang="en-US">
-                <a:hlinkClick r:id="rId5"/>
-              </a:rPr>
-              <a:t>dash.plotly.com</a:t>
-            </a:r>
-            <a:r>
-              <a:rPr lang="en-US" smtClean="0">
+              <a:rPr lang="en-US" dirty="0" smtClean="0">
                 <a:hlinkClick r:id="rId5"/>
               </a:rPr>
               <a:t>/</a:t>
             </a:r>
-            <a:endParaRPr lang="en-US" smtClean="0"/>
+            <a:endParaRPr lang="en-US" dirty="0" smtClean="0"/>
           </a:p>
           <a:p>
             <a:pPr marL="101600" lvl="0" indent="0">
